--- a/lab1-2/Lab1-2_PPT.pptx
+++ b/lab1-2/Lab1-2_PPT.pptx
@@ -307,7 +307,7 @@
           <a:p>
             <a:fld id="{24952292-043B-4AD1-A558-2E75DCFCBFB7}" type="datetimeFigureOut">
               <a:rPr lang="zh-CN" altLang="en-US" smtClean="0"/>
-              <a:t>2015/11/23</a:t>
+              <a:t>2015/12/29</a:t>
             </a:fld>
             <a:endParaRPr lang="zh-CN" altLang="en-US"/>
           </a:p>
@@ -582,7 +582,7 @@
           <a:p>
             <a:fld id="{24952292-043B-4AD1-A558-2E75DCFCBFB7}" type="datetimeFigureOut">
               <a:rPr lang="zh-CN" altLang="en-US" smtClean="0"/>
-              <a:t>2015/11/23</a:t>
+              <a:t>2015/12/29</a:t>
             </a:fld>
             <a:endParaRPr lang="zh-CN" altLang="en-US"/>
           </a:p>
@@ -776,7 +776,7 @@
           <a:p>
             <a:fld id="{24952292-043B-4AD1-A558-2E75DCFCBFB7}" type="datetimeFigureOut">
               <a:rPr lang="zh-CN" altLang="en-US" smtClean="0"/>
-              <a:t>2015/11/23</a:t>
+              <a:t>2015/12/29</a:t>
             </a:fld>
             <a:endParaRPr lang="zh-CN" altLang="en-US"/>
           </a:p>
@@ -1049,7 +1049,7 @@
           <a:p>
             <a:fld id="{24952292-043B-4AD1-A558-2E75DCFCBFB7}" type="datetimeFigureOut">
               <a:rPr lang="zh-CN" altLang="en-US" smtClean="0"/>
-              <a:t>2015/11/23</a:t>
+              <a:t>2015/12/29</a:t>
             </a:fld>
             <a:endParaRPr lang="zh-CN" altLang="en-US"/>
           </a:p>
@@ -1390,7 +1390,7 @@
           <a:p>
             <a:fld id="{24952292-043B-4AD1-A558-2E75DCFCBFB7}" type="datetimeFigureOut">
               <a:rPr lang="zh-CN" altLang="en-US" smtClean="0"/>
-              <a:t>2015/11/23</a:t>
+              <a:t>2015/12/29</a:t>
             </a:fld>
             <a:endParaRPr lang="zh-CN" altLang="en-US"/>
           </a:p>
@@ -2013,7 +2013,7 @@
           <a:p>
             <a:fld id="{24952292-043B-4AD1-A558-2E75DCFCBFB7}" type="datetimeFigureOut">
               <a:rPr lang="zh-CN" altLang="en-US" smtClean="0"/>
-              <a:t>2015/11/23</a:t>
+              <a:t>2015/12/29</a:t>
             </a:fld>
             <a:endParaRPr lang="zh-CN" altLang="en-US"/>
           </a:p>
@@ -2873,7 +2873,7 @@
           <a:p>
             <a:fld id="{24952292-043B-4AD1-A558-2E75DCFCBFB7}" type="datetimeFigureOut">
               <a:rPr lang="zh-CN" altLang="en-US" smtClean="0"/>
-              <a:t>2015/11/23</a:t>
+              <a:t>2015/12/29</a:t>
             </a:fld>
             <a:endParaRPr lang="zh-CN" altLang="en-US"/>
           </a:p>
@@ -3043,7 +3043,7 @@
           <a:p>
             <a:fld id="{24952292-043B-4AD1-A558-2E75DCFCBFB7}" type="datetimeFigureOut">
               <a:rPr lang="zh-CN" altLang="en-US" smtClean="0"/>
-              <a:t>2015/11/23</a:t>
+              <a:t>2015/12/29</a:t>
             </a:fld>
             <a:endParaRPr lang="zh-CN" altLang="en-US"/>
           </a:p>
@@ -3223,7 +3223,7 @@
           <a:p>
             <a:fld id="{24952292-043B-4AD1-A558-2E75DCFCBFB7}" type="datetimeFigureOut">
               <a:rPr lang="zh-CN" altLang="en-US" smtClean="0"/>
-              <a:t>2015/11/23</a:t>
+              <a:t>2015/12/29</a:t>
             </a:fld>
             <a:endParaRPr lang="zh-CN" altLang="en-US"/>
           </a:p>
@@ -3393,7 +3393,7 @@
           <a:p>
             <a:fld id="{24952292-043B-4AD1-A558-2E75DCFCBFB7}" type="datetimeFigureOut">
               <a:rPr lang="zh-CN" altLang="en-US" smtClean="0"/>
-              <a:t>2015/11/23</a:t>
+              <a:t>2015/12/29</a:t>
             </a:fld>
             <a:endParaRPr lang="zh-CN" altLang="en-US"/>
           </a:p>
@@ -3640,7 +3640,7 @@
           <a:p>
             <a:fld id="{24952292-043B-4AD1-A558-2E75DCFCBFB7}" type="datetimeFigureOut">
               <a:rPr lang="zh-CN" altLang="en-US" smtClean="0"/>
-              <a:t>2015/11/23</a:t>
+              <a:t>2015/12/29</a:t>
             </a:fld>
             <a:endParaRPr lang="zh-CN" altLang="en-US"/>
           </a:p>
@@ -3932,7 +3932,7 @@
           <a:p>
             <a:fld id="{24952292-043B-4AD1-A558-2E75DCFCBFB7}" type="datetimeFigureOut">
               <a:rPr lang="zh-CN" altLang="en-US" smtClean="0"/>
-              <a:t>2015/11/23</a:t>
+              <a:t>2015/12/29</a:t>
             </a:fld>
             <a:endParaRPr lang="zh-CN" altLang="en-US"/>
           </a:p>
@@ -4376,7 +4376,7 @@
           <a:p>
             <a:fld id="{24952292-043B-4AD1-A558-2E75DCFCBFB7}" type="datetimeFigureOut">
               <a:rPr lang="zh-CN" altLang="en-US" smtClean="0"/>
-              <a:t>2015/11/23</a:t>
+              <a:t>2015/12/29</a:t>
             </a:fld>
             <a:endParaRPr lang="zh-CN" altLang="en-US"/>
           </a:p>
@@ -4494,7 +4494,7 @@
           <a:p>
             <a:fld id="{24952292-043B-4AD1-A558-2E75DCFCBFB7}" type="datetimeFigureOut">
               <a:rPr lang="zh-CN" altLang="en-US" smtClean="0"/>
-              <a:t>2015/11/23</a:t>
+              <a:t>2015/12/29</a:t>
             </a:fld>
             <a:endParaRPr lang="zh-CN" altLang="en-US"/>
           </a:p>
@@ -4589,7 +4589,7 @@
           <a:p>
             <a:fld id="{24952292-043B-4AD1-A558-2E75DCFCBFB7}" type="datetimeFigureOut">
               <a:rPr lang="zh-CN" altLang="en-US" smtClean="0"/>
-              <a:t>2015/11/23</a:t>
+              <a:t>2015/12/29</a:t>
             </a:fld>
             <a:endParaRPr lang="zh-CN" altLang="en-US"/>
           </a:p>
@@ -4868,7 +4868,7 @@
           <a:p>
             <a:fld id="{24952292-043B-4AD1-A558-2E75DCFCBFB7}" type="datetimeFigureOut">
               <a:rPr lang="zh-CN" altLang="en-US" smtClean="0"/>
-              <a:t>2015/11/23</a:t>
+              <a:t>2015/12/29</a:t>
             </a:fld>
             <a:endParaRPr lang="zh-CN" altLang="en-US"/>
           </a:p>
@@ -5143,7 +5143,7 @@
           <a:p>
             <a:fld id="{24952292-043B-4AD1-A558-2E75DCFCBFB7}" type="datetimeFigureOut">
               <a:rPr lang="zh-CN" altLang="en-US" smtClean="0"/>
-              <a:t>2015/11/23</a:t>
+              <a:t>2015/12/29</a:t>
             </a:fld>
             <a:endParaRPr lang="zh-CN" altLang="en-US"/>
           </a:p>
@@ -5572,7 +5572,7 @@
           <a:p>
             <a:fld id="{24952292-043B-4AD1-A558-2E75DCFCBFB7}" type="datetimeFigureOut">
               <a:rPr lang="zh-CN" altLang="en-US" smtClean="0"/>
-              <a:t>2015/11/23</a:t>
+              <a:t>2015/12/29</a:t>
             </a:fld>
             <a:endParaRPr lang="zh-CN" altLang="en-US"/>
           </a:p>
@@ -6548,8 +6548,12 @@
               <a:t>修改</a:t>
             </a:r>
             <a:r>
+              <a:rPr lang="en-US" altLang="zh-CN" dirty="0" smtClean="0"/>
+              <a:t>kernel/</a:t>
+            </a:r>
+            <a:r>
               <a:rPr lang="en-US" altLang="zh-CN" dirty="0" err="1" smtClean="0"/>
-              <a:t>sys.h</a:t>
+              <a:t>system_call.s</a:t>
             </a:r>
             <a:endParaRPr lang="zh-CN" altLang="en-US" dirty="0"/>
           </a:p>
